--- a/生活循环.pptx
+++ b/生活循环.pptx
@@ -1238,7 +1238,7 @@
         <a:p>
           <a:r>
             <a:rPr lang="zh-CN" altLang="en-US" dirty="0"/>
-            <a:t>读者交流</a:t>
+            <a:t>交流学习</a:t>
           </a:r>
         </a:p>
       </dgm:t>
@@ -2241,7 +2241,7 @@
           </a:pPr>
           <a:r>
             <a:rPr lang="zh-CN" altLang="en-US" sz="2800" kern="1200" dirty="0"/>
-            <a:t>读者交流</a:t>
+            <a:t>交流学习</a:t>
           </a:r>
         </a:p>
       </dsp:txBody>
@@ -3710,7 +3710,7 @@
           <a:p>
             <a:fld id="{0B3F323C-0AF0-AC43-A8E6-AC32CD9A496F}" type="datetimeFigureOut">
               <a:rPr kumimoji="1" lang="zh-CN" altLang="en-US" smtClean="0"/>
-              <a:t>2021/2/23</a:t>
+              <a:t>2021/3/17</a:t>
             </a:fld>
             <a:endParaRPr kumimoji="1" lang="zh-CN" altLang="en-US"/>
           </a:p>
@@ -3908,7 +3908,7 @@
           <a:p>
             <a:fld id="{0B3F323C-0AF0-AC43-A8E6-AC32CD9A496F}" type="datetimeFigureOut">
               <a:rPr kumimoji="1" lang="zh-CN" altLang="en-US" smtClean="0"/>
-              <a:t>2021/2/23</a:t>
+              <a:t>2021/3/17</a:t>
             </a:fld>
             <a:endParaRPr kumimoji="1" lang="zh-CN" altLang="en-US"/>
           </a:p>
@@ -4116,7 +4116,7 @@
           <a:p>
             <a:fld id="{0B3F323C-0AF0-AC43-A8E6-AC32CD9A496F}" type="datetimeFigureOut">
               <a:rPr kumimoji="1" lang="zh-CN" altLang="en-US" smtClean="0"/>
-              <a:t>2021/2/23</a:t>
+              <a:t>2021/3/17</a:t>
             </a:fld>
             <a:endParaRPr kumimoji="1" lang="zh-CN" altLang="en-US"/>
           </a:p>
@@ -4314,7 +4314,7 @@
           <a:p>
             <a:fld id="{0B3F323C-0AF0-AC43-A8E6-AC32CD9A496F}" type="datetimeFigureOut">
               <a:rPr kumimoji="1" lang="zh-CN" altLang="en-US" smtClean="0"/>
-              <a:t>2021/2/23</a:t>
+              <a:t>2021/3/17</a:t>
             </a:fld>
             <a:endParaRPr kumimoji="1" lang="zh-CN" altLang="en-US"/>
           </a:p>
@@ -4589,7 +4589,7 @@
           <a:p>
             <a:fld id="{0B3F323C-0AF0-AC43-A8E6-AC32CD9A496F}" type="datetimeFigureOut">
               <a:rPr kumimoji="1" lang="zh-CN" altLang="en-US" smtClean="0"/>
-              <a:t>2021/2/23</a:t>
+              <a:t>2021/3/17</a:t>
             </a:fld>
             <a:endParaRPr kumimoji="1" lang="zh-CN" altLang="en-US"/>
           </a:p>
@@ -4854,7 +4854,7 @@
           <a:p>
             <a:fld id="{0B3F323C-0AF0-AC43-A8E6-AC32CD9A496F}" type="datetimeFigureOut">
               <a:rPr kumimoji="1" lang="zh-CN" altLang="en-US" smtClean="0"/>
-              <a:t>2021/2/23</a:t>
+              <a:t>2021/3/17</a:t>
             </a:fld>
             <a:endParaRPr kumimoji="1" lang="zh-CN" altLang="en-US"/>
           </a:p>
@@ -5266,7 +5266,7 @@
           <a:p>
             <a:fld id="{0B3F323C-0AF0-AC43-A8E6-AC32CD9A496F}" type="datetimeFigureOut">
               <a:rPr kumimoji="1" lang="zh-CN" altLang="en-US" smtClean="0"/>
-              <a:t>2021/2/23</a:t>
+              <a:t>2021/3/17</a:t>
             </a:fld>
             <a:endParaRPr kumimoji="1" lang="zh-CN" altLang="en-US"/>
           </a:p>
@@ -5407,7 +5407,7 @@
           <a:p>
             <a:fld id="{0B3F323C-0AF0-AC43-A8E6-AC32CD9A496F}" type="datetimeFigureOut">
               <a:rPr kumimoji="1" lang="zh-CN" altLang="en-US" smtClean="0"/>
-              <a:t>2021/2/23</a:t>
+              <a:t>2021/3/17</a:t>
             </a:fld>
             <a:endParaRPr kumimoji="1" lang="zh-CN" altLang="en-US"/>
           </a:p>
@@ -5520,7 +5520,7 @@
           <a:p>
             <a:fld id="{0B3F323C-0AF0-AC43-A8E6-AC32CD9A496F}" type="datetimeFigureOut">
               <a:rPr kumimoji="1" lang="zh-CN" altLang="en-US" smtClean="0"/>
-              <a:t>2021/2/23</a:t>
+              <a:t>2021/3/17</a:t>
             </a:fld>
             <a:endParaRPr kumimoji="1" lang="zh-CN" altLang="en-US"/>
           </a:p>
@@ -5831,7 +5831,7 @@
           <a:p>
             <a:fld id="{0B3F323C-0AF0-AC43-A8E6-AC32CD9A496F}" type="datetimeFigureOut">
               <a:rPr kumimoji="1" lang="zh-CN" altLang="en-US" smtClean="0"/>
-              <a:t>2021/2/23</a:t>
+              <a:t>2021/3/17</a:t>
             </a:fld>
             <a:endParaRPr kumimoji="1" lang="zh-CN" altLang="en-US"/>
           </a:p>
@@ -6119,7 +6119,7 @@
           <a:p>
             <a:fld id="{0B3F323C-0AF0-AC43-A8E6-AC32CD9A496F}" type="datetimeFigureOut">
               <a:rPr kumimoji="1" lang="zh-CN" altLang="en-US" smtClean="0"/>
-              <a:t>2021/2/23</a:t>
+              <a:t>2021/3/17</a:t>
             </a:fld>
             <a:endParaRPr kumimoji="1" lang="zh-CN" altLang="en-US"/>
           </a:p>
@@ -6360,7 +6360,7 @@
           <a:p>
             <a:fld id="{0B3F323C-0AF0-AC43-A8E6-AC32CD9A496F}" type="datetimeFigureOut">
               <a:rPr kumimoji="1" lang="zh-CN" altLang="en-US" smtClean="0"/>
-              <a:t>2021/2/23</a:t>
+              <a:t>2021/3/17</a:t>
             </a:fld>
             <a:endParaRPr kumimoji="1" lang="zh-CN" altLang="en-US"/>
           </a:p>
@@ -6763,6 +6763,14 @@
 <file path=ppt/slides/slide1.xml><?xml version="1.0" encoding="utf-8"?>
 <p:sld xmlns:a="http://schemas.openxmlformats.org/drawingml/2006/main" xmlns:r="http://schemas.openxmlformats.org/officeDocument/2006/relationships" xmlns:p="http://schemas.openxmlformats.org/presentationml/2006/main">
   <p:cSld>
+    <p:bg>
+      <p:bgPr>
+        <a:solidFill>
+          <a:srgbClr val="FFFCF6"/>
+        </a:solidFill>
+        <a:effectLst/>
+      </p:bgPr>
+    </p:bg>
     <p:spTree>
       <p:nvGrpSpPr>
         <p:cNvPr id="1" name=""/>
@@ -6777,58 +6785,6 @@
           <a:chExt cx="0" cy="0"/>
         </a:xfrm>
       </p:grpSpPr>
-      <p:sp>
-        <p:nvSpPr>
-          <p:cNvPr id="4" name="矩形 3">
-            <a:extLst>
-              <a:ext uri="{FF2B5EF4-FFF2-40B4-BE49-F238E27FC236}">
-                <a16:creationId xmlns:a16="http://schemas.microsoft.com/office/drawing/2014/main" id="{DBFF5CAE-AB40-7C42-B16B-8EEC62363185}"/>
-              </a:ext>
-            </a:extLst>
-          </p:cNvPr>
-          <p:cNvSpPr/>
-          <p:nvPr/>
-        </p:nvSpPr>
-        <p:spPr>
-          <a:xfrm>
-            <a:off x="0" y="0"/>
-            <a:ext cx="12192000" cy="6858000"/>
-          </a:xfrm>
-          <a:prstGeom prst="rect">
-            <a:avLst/>
-          </a:prstGeom>
-          <a:solidFill>
-            <a:srgbClr val="FFFCF6"/>
-          </a:solidFill>
-          <a:ln>
-            <a:noFill/>
-          </a:ln>
-        </p:spPr>
-        <p:style>
-          <a:lnRef idx="2">
-            <a:schemeClr val="accent1">
-              <a:shade val="50000"/>
-            </a:schemeClr>
-          </a:lnRef>
-          <a:fillRef idx="1">
-            <a:schemeClr val="accent1"/>
-          </a:fillRef>
-          <a:effectRef idx="0">
-            <a:schemeClr val="accent1"/>
-          </a:effectRef>
-          <a:fontRef idx="minor">
-            <a:schemeClr val="lt1"/>
-          </a:fontRef>
-        </p:style>
-        <p:txBody>
-          <a:bodyPr rtlCol="0" anchor="ctr"/>
-          <a:lstStyle/>
-          <a:p>
-            <a:pPr algn="ctr"/>
-            <a:endParaRPr kumimoji="1" lang="zh-CN" altLang="en-US" dirty="0"/>
-          </a:p>
-        </p:txBody>
-      </p:sp>
       <p:graphicFrame>
         <p:nvGraphicFramePr>
           <p:cNvPr id="5" name="图示 4">
@@ -6842,7 +6798,7 @@
           <p:nvPr>
             <p:extLst>
               <p:ext uri="{D42A27DB-BD31-4B8C-83A1-F6EECF244321}">
-                <p14:modId xmlns:p14="http://schemas.microsoft.com/office/powerpoint/2010/main" val="700155389"/>
+                <p14:modId xmlns:p14="http://schemas.microsoft.com/office/powerpoint/2010/main" val="3915437161"/>
               </p:ext>
             </p:extLst>
           </p:nvPr>
